--- a/hung/project.pptx
+++ b/hung/project.pptx
@@ -6,8 +6,8 @@
   </p:sldMasterIdLst>
   <p:sldIdLst>
     <p:sldId id="256" r:id="rId2"/>
-    <p:sldId id="257" r:id="rId3"/>
-    <p:sldId id="259" r:id="rId4"/>
+    <p:sldId id="262" r:id="rId3"/>
+    <p:sldId id="257" r:id="rId4"/>
     <p:sldId id="261" r:id="rId5"/>
     <p:sldId id="260" r:id="rId6"/>
     <p:sldId id="258" r:id="rId7"/>
@@ -109,6 +109,11 @@
       </a:defRPr>
     </a:lvl9pPr>
   </p:defaultTextStyle>
+  <p:extLst>
+    <p:ext uri="{EFAFB233-063F-42B5-8137-9DF3F51BA10A}">
+      <p15:sldGuideLst xmlns:p15="http://schemas.microsoft.com/office/powerpoint/2012/main"/>
+    </p:ext>
+  </p:extLst>
 </p:presentation>
 </file>
 
@@ -243,7 +248,7 @@
           <a:p>
             <a:fld id="{BF275CB9-16A2-4386-A149-8157226C4CB2}" type="datetimeFigureOut">
               <a:rPr lang="zh-TW" altLang="en-US" smtClean="0"/>
-              <a:t>2019/12/2</a:t>
+              <a:t>2019/12/30</a:t>
             </a:fld>
             <a:endParaRPr lang="zh-TW" altLang="en-US"/>
           </a:p>
@@ -413,7 +418,7 @@
           <a:p>
             <a:fld id="{BF275CB9-16A2-4386-A149-8157226C4CB2}" type="datetimeFigureOut">
               <a:rPr lang="zh-TW" altLang="en-US" smtClean="0"/>
-              <a:t>2019/12/2</a:t>
+              <a:t>2019/12/30</a:t>
             </a:fld>
             <a:endParaRPr lang="zh-TW" altLang="en-US"/>
           </a:p>
@@ -593,7 +598,7 @@
           <a:p>
             <a:fld id="{BF275CB9-16A2-4386-A149-8157226C4CB2}" type="datetimeFigureOut">
               <a:rPr lang="zh-TW" altLang="en-US" smtClean="0"/>
-              <a:t>2019/12/2</a:t>
+              <a:t>2019/12/30</a:t>
             </a:fld>
             <a:endParaRPr lang="zh-TW" altLang="en-US"/>
           </a:p>
@@ -763,7 +768,7 @@
           <a:p>
             <a:fld id="{BF275CB9-16A2-4386-A149-8157226C4CB2}" type="datetimeFigureOut">
               <a:rPr lang="zh-TW" altLang="en-US" smtClean="0"/>
-              <a:t>2019/12/2</a:t>
+              <a:t>2019/12/30</a:t>
             </a:fld>
             <a:endParaRPr lang="zh-TW" altLang="en-US"/>
           </a:p>
@@ -1009,7 +1014,7 @@
           <a:p>
             <a:fld id="{BF275CB9-16A2-4386-A149-8157226C4CB2}" type="datetimeFigureOut">
               <a:rPr lang="zh-TW" altLang="en-US" smtClean="0"/>
-              <a:t>2019/12/2</a:t>
+              <a:t>2019/12/30</a:t>
             </a:fld>
             <a:endParaRPr lang="zh-TW" altLang="en-US"/>
           </a:p>
@@ -1241,7 +1246,7 @@
           <a:p>
             <a:fld id="{BF275CB9-16A2-4386-A149-8157226C4CB2}" type="datetimeFigureOut">
               <a:rPr lang="zh-TW" altLang="en-US" smtClean="0"/>
-              <a:t>2019/12/2</a:t>
+              <a:t>2019/12/30</a:t>
             </a:fld>
             <a:endParaRPr lang="zh-TW" altLang="en-US"/>
           </a:p>
@@ -1608,7 +1613,7 @@
           <a:p>
             <a:fld id="{BF275CB9-16A2-4386-A149-8157226C4CB2}" type="datetimeFigureOut">
               <a:rPr lang="zh-TW" altLang="en-US" smtClean="0"/>
-              <a:t>2019/12/2</a:t>
+              <a:t>2019/12/30</a:t>
             </a:fld>
             <a:endParaRPr lang="zh-TW" altLang="en-US"/>
           </a:p>
@@ -1726,7 +1731,7 @@
           <a:p>
             <a:fld id="{BF275CB9-16A2-4386-A149-8157226C4CB2}" type="datetimeFigureOut">
               <a:rPr lang="zh-TW" altLang="en-US" smtClean="0"/>
-              <a:t>2019/12/2</a:t>
+              <a:t>2019/12/30</a:t>
             </a:fld>
             <a:endParaRPr lang="zh-TW" altLang="en-US"/>
           </a:p>
@@ -1821,7 +1826,7 @@
           <a:p>
             <a:fld id="{BF275CB9-16A2-4386-A149-8157226C4CB2}" type="datetimeFigureOut">
               <a:rPr lang="zh-TW" altLang="en-US" smtClean="0"/>
-              <a:t>2019/12/2</a:t>
+              <a:t>2019/12/30</a:t>
             </a:fld>
             <a:endParaRPr lang="zh-TW" altLang="en-US"/>
           </a:p>
@@ -2098,7 +2103,7 @@
           <a:p>
             <a:fld id="{BF275CB9-16A2-4386-A149-8157226C4CB2}" type="datetimeFigureOut">
               <a:rPr lang="zh-TW" altLang="en-US" smtClean="0"/>
-              <a:t>2019/12/2</a:t>
+              <a:t>2019/12/30</a:t>
             </a:fld>
             <a:endParaRPr lang="zh-TW" altLang="en-US"/>
           </a:p>
@@ -2355,7 +2360,7 @@
           <a:p>
             <a:fld id="{BF275CB9-16A2-4386-A149-8157226C4CB2}" type="datetimeFigureOut">
               <a:rPr lang="zh-TW" altLang="en-US" smtClean="0"/>
-              <a:t>2019/12/2</a:t>
+              <a:t>2019/12/30</a:t>
             </a:fld>
             <a:endParaRPr lang="zh-TW" altLang="en-US"/>
           </a:p>
@@ -2568,7 +2573,7 @@
           <a:p>
             <a:fld id="{BF275CB9-16A2-4386-A149-8157226C4CB2}" type="datetimeFigureOut">
               <a:rPr lang="zh-TW" altLang="en-US" smtClean="0"/>
-              <a:t>2019/12/2</a:t>
+              <a:t>2019/12/30</a:t>
             </a:fld>
             <a:endParaRPr lang="zh-TW" altLang="en-US"/>
           </a:p>
@@ -3071,7 +3076,7 @@
           <p:cNvPr id="2" name="標題 1">
             <a:extLst>
               <a:ext uri="{FF2B5EF4-FFF2-40B4-BE49-F238E27FC236}">
-                <a16:creationId xmlns:a16="http://schemas.microsoft.com/office/drawing/2014/main" id="{199A29D8-A0DC-41A8-8D83-6BB0610D7E9A}"/>
+                <a16:creationId xmlns:a16="http://schemas.microsoft.com/office/drawing/2014/main" id="{9FE4E1EE-A635-4ECD-AEA5-8C0C58E3C17B}"/>
               </a:ext>
             </a:extLst>
           </p:cNvPr>
@@ -3079,38 +3084,34 @@
             <a:spLocks noGrp="1"/>
           </p:cNvSpPr>
           <p:nvPr>
-            <p:ph type="title"/>
-          </p:nvPr>
-        </p:nvSpPr>
-        <p:spPr/>
-        <p:txBody>
-          <a:bodyPr>
-            <a:normAutofit/>
-          </a:bodyPr>
-          <a:lstStyle/>
-          <a:p>
-            <a:pPr algn="ctr"/>
-            <a:r>
-              <a:rPr lang="zh-TW" altLang="en-US" sz="4800" dirty="0"/>
-              <a:t>題目</a:t>
-            </a:r>
-            <a:r>
-              <a:rPr lang="en-US" altLang="zh-TW" sz="4800" dirty="0"/>
-              <a:t>:</a:t>
-            </a:r>
-            <a:r>
-              <a:rPr lang="zh-TW" altLang="en-US" sz="4800" dirty="0"/>
-              <a:t>屏東旅遊導覽</a:t>
-            </a:r>
-          </a:p>
-        </p:txBody>
-      </p:sp>
-      <p:sp>
-        <p:nvSpPr>
-          <p:cNvPr id="3" name="內容版面配置區 2">
+            <p:ph type="ctrTitle"/>
+          </p:nvPr>
+        </p:nvSpPr>
+        <p:spPr/>
+        <p:txBody>
+          <a:bodyPr/>
+          <a:lstStyle/>
+          <a:p>
+            <a:r>
+              <a:rPr lang="zh-TW" altLang="en-US" dirty="0"/>
+              <a:t>網頁程式設計</a:t>
+            </a:r>
+            <a:br>
+              <a:rPr lang="en-US" altLang="zh-TW" dirty="0"/>
+            </a:br>
+            <a:r>
+              <a:rPr lang="zh-TW" altLang="en-US" dirty="0"/>
+              <a:t>期末報告</a:t>
+            </a:r>
+          </a:p>
+        </p:txBody>
+      </p:sp>
+      <p:sp>
+        <p:nvSpPr>
+          <p:cNvPr id="3" name="副標題 2">
             <a:extLst>
               <a:ext uri="{FF2B5EF4-FFF2-40B4-BE49-F238E27FC236}">
-                <a16:creationId xmlns:a16="http://schemas.microsoft.com/office/drawing/2014/main" id="{917DC89A-0684-4128-AC6C-F8A50E4C0A95}"/>
+                <a16:creationId xmlns:a16="http://schemas.microsoft.com/office/drawing/2014/main" id="{FB16690E-A650-4BE1-A694-F0FFBF11BD93}"/>
               </a:ext>
             </a:extLst>
           </p:cNvPr>
@@ -3118,130 +3119,17 @@
             <a:spLocks noGrp="1"/>
           </p:cNvSpPr>
           <p:nvPr>
-            <p:ph idx="1"/>
-          </p:nvPr>
-        </p:nvSpPr>
-        <p:spPr>
-          <a:xfrm>
-            <a:off x="845073" y="3095131"/>
-            <a:ext cx="6006483" cy="4351338"/>
-          </a:xfrm>
-        </p:spPr>
-        <p:txBody>
-          <a:bodyPr>
-            <a:normAutofit/>
-          </a:bodyPr>
-          <a:lstStyle/>
-          <a:p>
-            <a:r>
-              <a:rPr lang="zh-TW" altLang="en-US" dirty="0">
-                <a:latin typeface="微軟正黑體 Light" panose="020B0304030504040204" pitchFamily="34" charset="-120"/>
-                <a:ea typeface="微軟正黑體 Light" panose="020B0304030504040204" pitchFamily="34" charset="-120"/>
-              </a:rPr>
-              <a:t>因為我是屏東人所以想要特別為家鄉介紹，而且身在基隆最北的台灣，一定很多人不知道屏東的東西，所以想藉這個機會讓更多人了解台灣的最南部也有一個這麼好的地方。</a:t>
-            </a:r>
-            <a:endParaRPr lang="en-US" altLang="zh-TW" dirty="0">
-              <a:latin typeface="微軟正黑體 Light" panose="020B0304030504040204" pitchFamily="34" charset="-120"/>
-              <a:ea typeface="微軟正黑體 Light" panose="020B0304030504040204" pitchFamily="34" charset="-120"/>
-            </a:endParaRPr>
-          </a:p>
-          <a:p>
-            <a:r>
-              <a:rPr lang="zh-TW" altLang="en-US" dirty="0">
-                <a:latin typeface="微軟正黑體 Light" panose="020B0304030504040204" pitchFamily="34" charset="-120"/>
-                <a:ea typeface="微軟正黑體 Light" panose="020B0304030504040204" pitchFamily="34" charset="-120"/>
-              </a:rPr>
-              <a:t>我想要將屏東介紹食衣住行，讓大家更好了解</a:t>
-            </a:r>
-          </a:p>
-        </p:txBody>
-      </p:sp>
-      <p:pic>
-        <p:nvPicPr>
-          <p:cNvPr id="6" name="圖片 5">
-            <a:extLst>
-              <a:ext uri="{FF2B5EF4-FFF2-40B4-BE49-F238E27FC236}">
-                <a16:creationId xmlns:a16="http://schemas.microsoft.com/office/drawing/2014/main" id="{CE6BD771-CDA7-4A9A-B0AA-F7AF9848FDB5}"/>
-              </a:ext>
-            </a:extLst>
-          </p:cNvPr>
-          <p:cNvPicPr>
-            <a:picLocks noChangeAspect="1"/>
-          </p:cNvPicPr>
-          <p:nvPr/>
-        </p:nvPicPr>
-        <p:blipFill>
-          <a:blip r:embed="rId2">
-            <a:extLst>
-              <a:ext uri="{28A0092B-C50C-407E-A947-70E740481C1C}">
-                <a14:useLocalDpi xmlns:a14="http://schemas.microsoft.com/office/drawing/2010/main" val="0"/>
-              </a:ext>
-              <a:ext uri="{837473B0-CC2E-450A-ABE3-18F120FF3D39}">
-                <a1611:picAttrSrcUrl xmlns:a1611="http://schemas.microsoft.com/office/drawing/2016/11/main" r:id="rId3"/>
-              </a:ext>
-            </a:extLst>
-          </a:blip>
-          <a:stretch>
-            <a:fillRect/>
-          </a:stretch>
-        </p:blipFill>
-        <p:spPr>
-          <a:xfrm>
-            <a:off x="6851556" y="1648519"/>
-            <a:ext cx="3212664" cy="4913486"/>
-          </a:xfrm>
-          <a:prstGeom prst="rect">
-            <a:avLst/>
-          </a:prstGeom>
-        </p:spPr>
-      </p:pic>
-      <p:sp>
-        <p:nvSpPr>
-          <p:cNvPr id="7" name="文字方塊 6">
-            <a:extLst>
-              <a:ext uri="{FF2B5EF4-FFF2-40B4-BE49-F238E27FC236}">
-                <a16:creationId xmlns:a16="http://schemas.microsoft.com/office/drawing/2014/main" id="{687AC2EE-7717-4074-9953-A144A6103D49}"/>
-              </a:ext>
-            </a:extLst>
-          </p:cNvPr>
-          <p:cNvSpPr txBox="1"/>
-          <p:nvPr/>
-        </p:nvSpPr>
-        <p:spPr>
-          <a:xfrm>
-            <a:off x="9819755" y="7073124"/>
-            <a:ext cx="2582350" cy="230832"/>
-          </a:xfrm>
-          <a:prstGeom prst="rect">
-            <a:avLst/>
-          </a:prstGeom>
-          <a:noFill/>
-        </p:spPr>
-        <p:txBody>
-          <a:bodyPr wrap="square" rtlCol="0">
-            <a:spAutoFit/>
-          </a:bodyPr>
-          <a:lstStyle/>
-          <a:p>
-            <a:r>
-              <a:rPr lang="zh-TW" altLang="en-US" sz="900">
-                <a:hlinkClick r:id="rId3" tooltip="https://mn.wikipedia.org/wiki/%D0%A4%D0%B0%D0%B9%D0%BB:Pingtung_labelled_map2.png"/>
-              </a:rPr>
-              <a:t>此相片</a:t>
-            </a:r>
-            <a:r>
-              <a:rPr lang="zh-TW" altLang="en-US" sz="900"/>
-              <a:t> (作者: 未知的作者) 已透過 </a:t>
-            </a:r>
-            <a:r>
-              <a:rPr lang="zh-TW" altLang="en-US" sz="900">
-                <a:hlinkClick r:id="rId4" tooltip="https://creativecommons.org/licenses/by-sa/3.0/"/>
-              </a:rPr>
-              <a:t>CC BY-SA</a:t>
-            </a:r>
-            <a:r>
-              <a:rPr lang="zh-TW" altLang="en-US" sz="900"/>
-              <a:t> 授權</a:t>
+            <p:ph type="subTitle" idx="1"/>
+          </p:nvPr>
+        </p:nvSpPr>
+        <p:spPr/>
+        <p:txBody>
+          <a:bodyPr/>
+          <a:lstStyle/>
+          <a:p>
+            <a:r>
+              <a:rPr lang="zh-TW" altLang="en-US" dirty="0"/>
+              <a:t>吳慶鴻 曹哲銘</a:t>
             </a:r>
           </a:p>
         </p:txBody>
@@ -3249,7 +3137,7 @@
     </p:spTree>
     <p:extLst>
       <p:ext uri="{BB962C8B-B14F-4D97-AF65-F5344CB8AC3E}">
-        <p14:creationId xmlns:p14="http://schemas.microsoft.com/office/powerpoint/2010/main" val="3341241285"/>
+        <p14:creationId xmlns:p14="http://schemas.microsoft.com/office/powerpoint/2010/main" val="4188075820"/>
       </p:ext>
     </p:extLst>
   </p:cSld>
@@ -3281,7 +3169,7 @@
           <p:cNvPr id="2" name="標題 1">
             <a:extLst>
               <a:ext uri="{FF2B5EF4-FFF2-40B4-BE49-F238E27FC236}">
-                <a16:creationId xmlns:a16="http://schemas.microsoft.com/office/drawing/2014/main" id="{B227AC5F-437F-430B-A2AA-A552D1919333}"/>
+                <a16:creationId xmlns:a16="http://schemas.microsoft.com/office/drawing/2014/main" id="{199A29D8-A0DC-41A8-8D83-6BB0610D7E9A}"/>
               </a:ext>
             </a:extLst>
           </p:cNvPr>
@@ -3294,13 +3182,23 @@
         </p:nvSpPr>
         <p:spPr/>
         <p:txBody>
-          <a:bodyPr/>
+          <a:bodyPr>
+            <a:normAutofit/>
+          </a:bodyPr>
           <a:lstStyle/>
           <a:p>
             <a:pPr algn="ctr"/>
             <a:r>
-              <a:rPr lang="zh-TW" altLang="en-US" dirty="0"/>
-              <a:t>架構圖</a:t>
+              <a:rPr lang="zh-TW" altLang="en-US" sz="4800" dirty="0"/>
+              <a:t>題目</a:t>
+            </a:r>
+            <a:r>
+              <a:rPr lang="en-US" altLang="zh-TW" sz="4800" dirty="0"/>
+              <a:t>:</a:t>
+            </a:r>
+            <a:r>
+              <a:rPr lang="zh-TW" altLang="en-US" sz="4800" dirty="0"/>
+              <a:t>摩托車介紹</a:t>
             </a:r>
           </a:p>
         </p:txBody>
@@ -3310,7 +3208,7 @@
           <p:cNvPr id="3" name="內容版面配置區 2">
             <a:extLst>
               <a:ext uri="{FF2B5EF4-FFF2-40B4-BE49-F238E27FC236}">
-                <a16:creationId xmlns:a16="http://schemas.microsoft.com/office/drawing/2014/main" id="{2CC8CD99-52D5-4F7D-9ACF-C84BDE1B3F0D}"/>
+                <a16:creationId xmlns:a16="http://schemas.microsoft.com/office/drawing/2014/main" id="{917DC89A-0684-4128-AC6C-F8A50E4C0A95}"/>
               </a:ext>
             </a:extLst>
           </p:cNvPr>
@@ -3321,58 +3219,68 @@
             <p:ph idx="1"/>
           </p:nvPr>
         </p:nvSpPr>
-        <p:spPr/>
-        <p:txBody>
-          <a:bodyPr/>
-          <a:lstStyle/>
-          <a:p>
-            <a:r>
-              <a:rPr lang="zh-TW" altLang="en-US" dirty="0"/>
-              <a:t>食</a:t>
-            </a:r>
-            <a:r>
-              <a:rPr lang="en-US" altLang="zh-TW" sz="2400" dirty="0"/>
-              <a:t>:</a:t>
-            </a:r>
-          </a:p>
-          <a:p>
-            <a:pPr marL="457200" lvl="1" indent="0">
-              <a:buNone/>
-            </a:pPr>
-            <a:r>
-              <a:rPr lang="zh-TW" altLang="en-US" dirty="0"/>
-              <a:t>介紹屏東的美食，還有許多知名的代表食物，像是萬巒豬腳，屏東黑金剛之類的等，另外還有許多隱藏美食也可以跟大家說，以後有機會去屏東玩可以體驗一下。</a:t>
-            </a:r>
-            <a:endParaRPr lang="en-US" altLang="zh-TW" dirty="0"/>
-          </a:p>
-          <a:p>
-            <a:endParaRPr lang="en-US" altLang="zh-TW" dirty="0"/>
-          </a:p>
-          <a:p>
-            <a:r>
-              <a:rPr lang="zh-TW" altLang="en-US" dirty="0"/>
-              <a:t>衣</a:t>
-            </a:r>
-            <a:r>
-              <a:rPr lang="en-US" altLang="zh-TW" dirty="0"/>
-              <a:t>:</a:t>
-            </a:r>
-          </a:p>
-          <a:p>
-            <a:pPr marL="457200" lvl="1" indent="0">
-              <a:buNone/>
-            </a:pPr>
-            <a:r>
-              <a:rPr lang="zh-TW" altLang="en-US" dirty="0"/>
-              <a:t>衣的部分，說道衣服就會想到逛街，但屏東的市區還有能賣的東西跟其他大都市比起來實在是小很多，所以我覺得可以介紹屏東這幾年的相關文創活動。</a:t>
-            </a:r>
-          </a:p>
-        </p:txBody>
-      </p:sp>
+        <p:spPr>
+          <a:xfrm>
+            <a:off x="845073" y="3095131"/>
+            <a:ext cx="6006483" cy="4351338"/>
+          </a:xfrm>
+        </p:spPr>
+        <p:txBody>
+          <a:bodyPr>
+            <a:normAutofit/>
+          </a:bodyPr>
+          <a:lstStyle/>
+          <a:p>
+            <a:r>
+              <a:rPr lang="zh-TW" altLang="en-US" dirty="0">
+                <a:latin typeface="微軟正黑體 Light" panose="020B0304030504040204" pitchFamily="34" charset="-120"/>
+                <a:ea typeface="微軟正黑體 Light" panose="020B0304030504040204" pitchFamily="34" charset="-120"/>
+              </a:rPr>
+              <a:t>因為我自己本身喜歡對機車的一些構造研究以及改裝，雖然這種東西見仁見智，但我還是想要給大家一些意見。</a:t>
+            </a:r>
+          </a:p>
+        </p:txBody>
+      </p:sp>
+      <p:pic>
+        <p:nvPicPr>
+          <p:cNvPr id="5" name="圖片 4">
+            <a:extLst>
+              <a:ext uri="{FF2B5EF4-FFF2-40B4-BE49-F238E27FC236}">
+                <a16:creationId xmlns:a16="http://schemas.microsoft.com/office/drawing/2014/main" id="{B0F033F6-09FF-42F5-8713-AD8516E47313}"/>
+              </a:ext>
+            </a:extLst>
+          </p:cNvPr>
+          <p:cNvPicPr>
+            <a:picLocks noChangeAspect="1"/>
+          </p:cNvPicPr>
+          <p:nvPr/>
+        </p:nvPicPr>
+        <p:blipFill>
+          <a:blip r:embed="rId2">
+            <a:extLst>
+              <a:ext uri="{28A0092B-C50C-407E-A947-70E740481C1C}">
+                <a14:useLocalDpi xmlns:a14="http://schemas.microsoft.com/office/drawing/2010/main" val="0"/>
+              </a:ext>
+            </a:extLst>
+          </a:blip>
+          <a:stretch>
+            <a:fillRect/>
+          </a:stretch>
+        </p:blipFill>
+        <p:spPr>
+          <a:xfrm>
+            <a:off x="6615938" y="1735584"/>
+            <a:ext cx="4737862" cy="3386831"/>
+          </a:xfrm>
+          <a:prstGeom prst="rect">
+            <a:avLst/>
+          </a:prstGeom>
+        </p:spPr>
+      </p:pic>
     </p:spTree>
     <p:extLst>
       <p:ext uri="{BB962C8B-B14F-4D97-AF65-F5344CB8AC3E}">
-        <p14:creationId xmlns:p14="http://schemas.microsoft.com/office/powerpoint/2010/main" val="3214619041"/>
+        <p14:creationId xmlns:p14="http://schemas.microsoft.com/office/powerpoint/2010/main" val="3341241285"/>
       </p:ext>
     </p:extLst>
   </p:cSld>
@@ -3430,10 +3338,10 @@
       </p:sp>
       <p:sp>
         <p:nvSpPr>
-          <p:cNvPr id="3" name="內容版面配置區 2">
+          <p:cNvPr id="5" name="內容版面配置區 4">
             <a:extLst>
               <a:ext uri="{FF2B5EF4-FFF2-40B4-BE49-F238E27FC236}">
-                <a16:creationId xmlns:a16="http://schemas.microsoft.com/office/drawing/2014/main" id="{5B07E697-366E-4BC4-8A95-DD4866CB451C}"/>
+                <a16:creationId xmlns:a16="http://schemas.microsoft.com/office/drawing/2014/main" id="{7F735A8B-5B8B-4359-B9EC-C54BBC097A7B}"/>
               </a:ext>
             </a:extLst>
           </p:cNvPr>
@@ -3451,44 +3359,39 @@
           <a:p>
             <a:r>
               <a:rPr lang="zh-TW" altLang="en-US" dirty="0"/>
-              <a:t>住</a:t>
+              <a:t>我打算對於白牌機車的</a:t>
             </a:r>
             <a:r>
               <a:rPr lang="en-US" altLang="zh-TW" dirty="0"/>
-              <a:t>:</a:t>
-            </a:r>
-          </a:p>
-          <a:p>
-            <a:pPr marL="457200" lvl="1" indent="0">
-              <a:buNone/>
-            </a:pPr>
+              <a:t>CC</a:t>
+            </a:r>
             <a:r>
               <a:rPr lang="zh-TW" altLang="en-US" dirty="0"/>
-              <a:t>因為屏東很多地方可以玩，但大家幾乎都會去墾丁，所以我打算介紹一些墾丁的住宿給大家，而且比較便宜，不然就是比較有特色的住宿，希望能對大家有幫助。</a:t>
+              <a:t>數先簡單介紹一遍還有劃分改裝的部分</a:t>
             </a:r>
             <a:endParaRPr lang="en-US" altLang="zh-TW" dirty="0"/>
           </a:p>
           <a:p>
+            <a:r>
+              <a:rPr lang="zh-TW" altLang="en-US" dirty="0"/>
+              <a:t>在整個網站裡面我是分很多塊</a:t>
+            </a:r>
+            <a:r>
+              <a:rPr lang="en-US" altLang="zh-TW" dirty="0"/>
+              <a:t>DIV</a:t>
+            </a:r>
+            <a:r>
+              <a:rPr lang="zh-TW" altLang="en-US" dirty="0"/>
+              <a:t>，然後在每一塊裡面再去介紹</a:t>
+            </a:r>
             <a:endParaRPr lang="en-US" altLang="zh-TW" dirty="0"/>
           </a:p>
           <a:p>
             <a:r>
               <a:rPr lang="zh-TW" altLang="en-US" dirty="0"/>
-              <a:t>行</a:t>
-            </a:r>
-            <a:r>
-              <a:rPr lang="en-US" altLang="zh-TW" dirty="0"/>
-              <a:t>:</a:t>
-            </a:r>
-          </a:p>
-          <a:p>
-            <a:pPr marL="457200" lvl="1" indent="0">
-              <a:buNone/>
-            </a:pPr>
-            <a:r>
-              <a:rPr lang="zh-TW" altLang="en-US" dirty="0"/>
-              <a:t>行的部分就是多介紹一些景點，畢竟很多人對屏東比較不熟，也比較少認知，在行的部分可能會比較多，目前的規劃是這樣。</a:t>
-            </a:r>
+              <a:t>架構簡單來說就是以我知道的機車內容去做逐一地介紹。</a:t>
+            </a:r>
+            <a:endParaRPr lang="en-US" altLang="zh-TW" dirty="0"/>
           </a:p>
           <a:p>
             <a:endParaRPr lang="zh-TW" altLang="en-US" dirty="0"/>
@@ -3589,7 +3492,59 @@
                 <a:latin typeface="微軟正黑體 Light" panose="020B0304030504040204" pitchFamily="34" charset="-120"/>
                 <a:ea typeface="微軟正黑體 Light" panose="020B0304030504040204" pitchFamily="34" charset="-120"/>
               </a:rPr>
-              <a:t>特色目前是覺得介紹行網頁應該很多人會去下手，但我覺得如果要介紹，就是要有幫助的，或是實用性高的，讓在所有介紹行網頁裡能有特別的地方，還有就是內容的部分採取條列式，比較清晰，也不會讓讀者覺得字很多還是太凌亂，以至於不想去閱讀。</a:t>
+              <a:t>特色的部分，我有使用許多</a:t>
+            </a:r>
+            <a:r>
+              <a:rPr lang="en-US" altLang="zh-TW" spc="600" dirty="0">
+                <a:solidFill>
+                  <a:schemeClr val="accent1">
+                    <a:lumMod val="40000"/>
+                    <a:lumOff val="60000"/>
+                  </a:schemeClr>
+                </a:solidFill>
+                <a:latin typeface="微軟正黑體 Light" panose="020B0304030504040204" pitchFamily="34" charset="-120"/>
+                <a:ea typeface="微軟正黑體 Light" panose="020B0304030504040204" pitchFamily="34" charset="-120"/>
+              </a:rPr>
+              <a:t>CSS</a:t>
+            </a:r>
+            <a:r>
+              <a:rPr lang="zh-TW" altLang="en-US" spc="600" dirty="0">
+                <a:solidFill>
+                  <a:schemeClr val="accent1">
+                    <a:lumMod val="40000"/>
+                    <a:lumOff val="60000"/>
+                  </a:schemeClr>
+                </a:solidFill>
+                <a:latin typeface="微軟正黑體 Light" panose="020B0304030504040204" pitchFamily="34" charset="-120"/>
+                <a:ea typeface="微軟正黑體 Light" panose="020B0304030504040204" pitchFamily="34" charset="-120"/>
+              </a:rPr>
+              <a:t>的設計，本身內容偏多，以文字呈現來說會有點單一，因此去網路上找了許多的</a:t>
+            </a:r>
+            <a:r>
+              <a:rPr lang="en-US" altLang="zh-TW" spc="600" dirty="0">
+                <a:solidFill>
+                  <a:schemeClr val="accent1">
+                    <a:lumMod val="40000"/>
+                    <a:lumOff val="60000"/>
+                  </a:schemeClr>
+                </a:solidFill>
+                <a:latin typeface="微軟正黑體 Light" panose="020B0304030504040204" pitchFamily="34" charset="-120"/>
+                <a:ea typeface="微軟正黑體 Light" panose="020B0304030504040204" pitchFamily="34" charset="-120"/>
+              </a:rPr>
+              <a:t>CSS</a:t>
+            </a:r>
+            <a:r>
+              <a:rPr lang="zh-TW" altLang="en-US" spc="600" dirty="0">
+                <a:solidFill>
+                  <a:schemeClr val="accent1">
+                    <a:lumMod val="40000"/>
+                    <a:lumOff val="60000"/>
+                  </a:schemeClr>
+                </a:solidFill>
+                <a:latin typeface="微軟正黑體 Light" panose="020B0304030504040204" pitchFamily="34" charset="-120"/>
+                <a:ea typeface="微軟正黑體 Light" panose="020B0304030504040204" pitchFamily="34" charset="-120"/>
+              </a:rPr>
+              <a:t>的特效跟一些小東西，使整個網頁看起來沒那麼的無趣。</a:t>
             </a:r>
           </a:p>
         </p:txBody>
@@ -3699,10 +3654,9 @@
               <a:t>JS</a:t>
             </a:r>
             <a:r>
-              <a:rPr lang="zh-TW" altLang="en-US"/>
+              <a:rPr lang="zh-TW" altLang="en-US" dirty="0"/>
               <a:t>去美化跟新增許多功能去呈現。</a:t>
             </a:r>
-            <a:endParaRPr lang="zh-TW" altLang="en-US" dirty="0"/>
           </a:p>
         </p:txBody>
       </p:sp>
